--- a/tutorials/pipelines/tut_a_st_bud/vector files/fig04.pptx
+++ b/tutorials/pipelines/tut_a_st_bud/vector files/fig04.pptx
@@ -2,7 +2,7 @@
 <file path=ppt/presentation.xml><?xml version="1.0" encoding="utf-8"?>
 <p:presentation xmlns:a="http://schemas.openxmlformats.org/drawingml/2006/main" xmlns:r="http://schemas.openxmlformats.org/officeDocument/2006/relationships" xmlns:p="http://schemas.openxmlformats.org/presentationml/2006/main" saveSubsetFonts="1">
   <p:sldMasterIdLst>
-    <p:sldMasterId id="2147483768" r:id="rId1"/>
+    <p:sldMasterId id="2147483864" r:id="rId1"/>
   </p:sldMasterIdLst>
   <p:notesMasterIdLst>
     <p:notesMasterId r:id="rId3"/>
@@ -10,7 +10,7 @@
   <p:sldIdLst>
     <p:sldId id="256" r:id="rId2"/>
   </p:sldIdLst>
-  <p:sldSz cx="18000663" cy="11520488"/>
+  <p:sldSz cx="17279938" cy="7199313"/>
   <p:notesSz cx="6858000" cy="9144000"/>
   <p:defaultTextStyle>
     <a:defPPr>
@@ -215,8 +215,8 @@
         </p:nvSpPr>
         <p:spPr>
           <a:xfrm>
-            <a:off x="1019175" y="1143000"/>
-            <a:ext cx="4819650" cy="3086100"/>
+            <a:off x="-274638" y="1143000"/>
+            <a:ext cx="7407276" cy="3086100"/>
           </a:xfrm>
           <a:prstGeom prst="rect">
             <a:avLst/>
@@ -370,8 +370,8 @@
   </p:cSld>
   <p:clrMap bg1="lt1" tx1="dk1" bg2="lt2" tx2="dk2" accent1="accent1" accent2="accent2" accent3="accent3" accent4="accent4" accent5="accent5" accent6="accent6" hlink="hlink" folHlink="folHlink"/>
   <p:notesStyle>
-    <a:lvl1pPr marL="0" algn="l" defTabSz="1730685" rtl="0" eaLnBrk="1" latinLnBrk="0" hangingPunct="1">
-      <a:defRPr sz="2271" kern="1200">
+    <a:lvl1pPr marL="0" algn="l" defTabSz="1846082" rtl="0" eaLnBrk="1" latinLnBrk="0" hangingPunct="1">
+      <a:defRPr sz="2423" kern="1200">
         <a:solidFill>
           <a:schemeClr val="tx1"/>
         </a:solidFill>
@@ -380,8 +380,8 @@
         <a:cs typeface="+mn-cs"/>
       </a:defRPr>
     </a:lvl1pPr>
-    <a:lvl2pPr marL="865342" algn="l" defTabSz="1730685" rtl="0" eaLnBrk="1" latinLnBrk="0" hangingPunct="1">
-      <a:defRPr sz="2271" kern="1200">
+    <a:lvl2pPr marL="923041" algn="l" defTabSz="1846082" rtl="0" eaLnBrk="1" latinLnBrk="0" hangingPunct="1">
+      <a:defRPr sz="2423" kern="1200">
         <a:solidFill>
           <a:schemeClr val="tx1"/>
         </a:solidFill>
@@ -390,8 +390,8 @@
         <a:cs typeface="+mn-cs"/>
       </a:defRPr>
     </a:lvl2pPr>
-    <a:lvl3pPr marL="1730685" algn="l" defTabSz="1730685" rtl="0" eaLnBrk="1" latinLnBrk="0" hangingPunct="1">
-      <a:defRPr sz="2271" kern="1200">
+    <a:lvl3pPr marL="1846082" algn="l" defTabSz="1846082" rtl="0" eaLnBrk="1" latinLnBrk="0" hangingPunct="1">
+      <a:defRPr sz="2423" kern="1200">
         <a:solidFill>
           <a:schemeClr val="tx1"/>
         </a:solidFill>
@@ -400,8 +400,8 @@
         <a:cs typeface="+mn-cs"/>
       </a:defRPr>
     </a:lvl3pPr>
-    <a:lvl4pPr marL="2596027" algn="l" defTabSz="1730685" rtl="0" eaLnBrk="1" latinLnBrk="0" hangingPunct="1">
-      <a:defRPr sz="2271" kern="1200">
+    <a:lvl4pPr marL="2769123" algn="l" defTabSz="1846082" rtl="0" eaLnBrk="1" latinLnBrk="0" hangingPunct="1">
+      <a:defRPr sz="2423" kern="1200">
         <a:solidFill>
           <a:schemeClr val="tx1"/>
         </a:solidFill>
@@ -410,8 +410,8 @@
         <a:cs typeface="+mn-cs"/>
       </a:defRPr>
     </a:lvl4pPr>
-    <a:lvl5pPr marL="3461370" algn="l" defTabSz="1730685" rtl="0" eaLnBrk="1" latinLnBrk="0" hangingPunct="1">
-      <a:defRPr sz="2271" kern="1200">
+    <a:lvl5pPr marL="3692164" algn="l" defTabSz="1846082" rtl="0" eaLnBrk="1" latinLnBrk="0" hangingPunct="1">
+      <a:defRPr sz="2423" kern="1200">
         <a:solidFill>
           <a:schemeClr val="tx1"/>
         </a:solidFill>
@@ -420,8 +420,8 @@
         <a:cs typeface="+mn-cs"/>
       </a:defRPr>
     </a:lvl5pPr>
-    <a:lvl6pPr marL="4326712" algn="l" defTabSz="1730685" rtl="0" eaLnBrk="1" latinLnBrk="0" hangingPunct="1">
-      <a:defRPr sz="2271" kern="1200">
+    <a:lvl6pPr marL="4615205" algn="l" defTabSz="1846082" rtl="0" eaLnBrk="1" latinLnBrk="0" hangingPunct="1">
+      <a:defRPr sz="2423" kern="1200">
         <a:solidFill>
           <a:schemeClr val="tx1"/>
         </a:solidFill>
@@ -430,8 +430,8 @@
         <a:cs typeface="+mn-cs"/>
       </a:defRPr>
     </a:lvl6pPr>
-    <a:lvl7pPr marL="5192055" algn="l" defTabSz="1730685" rtl="0" eaLnBrk="1" latinLnBrk="0" hangingPunct="1">
-      <a:defRPr sz="2271" kern="1200">
+    <a:lvl7pPr marL="5538246" algn="l" defTabSz="1846082" rtl="0" eaLnBrk="1" latinLnBrk="0" hangingPunct="1">
+      <a:defRPr sz="2423" kern="1200">
         <a:solidFill>
           <a:schemeClr val="tx1"/>
         </a:solidFill>
@@ -440,8 +440,8 @@
         <a:cs typeface="+mn-cs"/>
       </a:defRPr>
     </a:lvl7pPr>
-    <a:lvl8pPr marL="6057397" algn="l" defTabSz="1730685" rtl="0" eaLnBrk="1" latinLnBrk="0" hangingPunct="1">
-      <a:defRPr sz="2271" kern="1200">
+    <a:lvl8pPr marL="6461288" algn="l" defTabSz="1846082" rtl="0" eaLnBrk="1" latinLnBrk="0" hangingPunct="1">
+      <a:defRPr sz="2423" kern="1200">
         <a:solidFill>
           <a:schemeClr val="tx1"/>
         </a:solidFill>
@@ -450,8 +450,8 @@
         <a:cs typeface="+mn-cs"/>
       </a:defRPr>
     </a:lvl8pPr>
-    <a:lvl9pPr marL="6922740" algn="l" defTabSz="1730685" rtl="0" eaLnBrk="1" latinLnBrk="0" hangingPunct="1">
-      <a:defRPr sz="2271" kern="1200">
+    <a:lvl9pPr marL="7384329" algn="l" defTabSz="1846082" rtl="0" eaLnBrk="1" latinLnBrk="0" hangingPunct="1">
+      <a:defRPr sz="2423" kern="1200">
         <a:solidFill>
           <a:schemeClr val="tx1"/>
         </a:solidFill>
@@ -493,8 +493,8 @@
         </p:nvSpPr>
         <p:spPr>
           <a:xfrm>
-            <a:off x="1019175" y="1143000"/>
-            <a:ext cx="4819650" cy="3086100"/>
+            <a:off x="-274638" y="1143000"/>
+            <a:ext cx="7407276" cy="3086100"/>
           </a:xfrm>
         </p:spPr>
       </p:sp>
@@ -582,15 +582,15 @@
         </p:nvSpPr>
         <p:spPr>
           <a:xfrm>
-            <a:off x="2250083" y="1885414"/>
-            <a:ext cx="13500497" cy="4010837"/>
+            <a:off x="2159992" y="1178222"/>
+            <a:ext cx="12959954" cy="2506427"/>
           </a:xfrm>
         </p:spPr>
         <p:txBody>
           <a:bodyPr anchor="b"/>
           <a:lstStyle>
             <a:lvl1pPr algn="ctr">
-              <a:defRPr sz="8858"/>
+              <a:defRPr sz="6299"/>
             </a:lvl1pPr>
           </a:lstStyle>
           <a:p>
@@ -614,8 +614,8 @@
         </p:nvSpPr>
         <p:spPr>
           <a:xfrm>
-            <a:off x="2250083" y="6050924"/>
-            <a:ext cx="13500497" cy="2781450"/>
+            <a:off x="2159992" y="3781306"/>
+            <a:ext cx="12959954" cy="1738167"/>
           </a:xfrm>
         </p:spPr>
         <p:txBody>
@@ -623,39 +623,39 @@
           <a:lstStyle>
             <a:lvl1pPr marL="0" indent="0" algn="ctr">
               <a:buNone/>
-              <a:defRPr sz="3543"/>
+              <a:defRPr sz="2520"/>
             </a:lvl1pPr>
-            <a:lvl2pPr marL="675010" indent="0" algn="ctr">
-              <a:buNone/>
-              <a:defRPr sz="2953"/>
+            <a:lvl2pPr marL="479969" indent="0" algn="ctr">
+              <a:buNone/>
+              <a:defRPr sz="2100"/>
             </a:lvl2pPr>
-            <a:lvl3pPr marL="1350020" indent="0" algn="ctr">
-              <a:buNone/>
-              <a:defRPr sz="2658"/>
+            <a:lvl3pPr marL="959937" indent="0" algn="ctr">
+              <a:buNone/>
+              <a:defRPr sz="1890"/>
             </a:lvl3pPr>
-            <a:lvl4pPr marL="2025030" indent="0" algn="ctr">
-              <a:buNone/>
-              <a:defRPr sz="2362"/>
+            <a:lvl4pPr marL="1439906" indent="0" algn="ctr">
+              <a:buNone/>
+              <a:defRPr sz="1680"/>
             </a:lvl4pPr>
-            <a:lvl5pPr marL="2700040" indent="0" algn="ctr">
-              <a:buNone/>
-              <a:defRPr sz="2362"/>
+            <a:lvl5pPr marL="1919874" indent="0" algn="ctr">
+              <a:buNone/>
+              <a:defRPr sz="1680"/>
             </a:lvl5pPr>
-            <a:lvl6pPr marL="3375050" indent="0" algn="ctr">
-              <a:buNone/>
-              <a:defRPr sz="2362"/>
+            <a:lvl6pPr marL="2399843" indent="0" algn="ctr">
+              <a:buNone/>
+              <a:defRPr sz="1680"/>
             </a:lvl6pPr>
-            <a:lvl7pPr marL="4050060" indent="0" algn="ctr">
-              <a:buNone/>
-              <a:defRPr sz="2362"/>
+            <a:lvl7pPr marL="2879811" indent="0" algn="ctr">
+              <a:buNone/>
+              <a:defRPr sz="1680"/>
             </a:lvl7pPr>
-            <a:lvl8pPr marL="4725071" indent="0" algn="ctr">
-              <a:buNone/>
-              <a:defRPr sz="2362"/>
+            <a:lvl8pPr marL="3359780" indent="0" algn="ctr">
+              <a:buNone/>
+              <a:defRPr sz="1680"/>
             </a:lvl8pPr>
-            <a:lvl9pPr marL="5400081" indent="0" algn="ctr">
-              <a:buNone/>
-              <a:defRPr sz="2362"/>
+            <a:lvl9pPr marL="3839748" indent="0" algn="ctr">
+              <a:buNone/>
+              <a:defRPr sz="1680"/>
             </a:lvl9pPr>
           </a:lstStyle>
           <a:p>
@@ -735,7 +735,7 @@
     </p:spTree>
     <p:extLst>
       <p:ext uri="{BB962C8B-B14F-4D97-AF65-F5344CB8AC3E}">
-        <p14:creationId xmlns:p14="http://schemas.microsoft.com/office/powerpoint/2010/main" val="1609158017"/>
+        <p14:creationId xmlns:p14="http://schemas.microsoft.com/office/powerpoint/2010/main" val="1504405886"/>
       </p:ext>
     </p:extLst>
   </p:cSld>
@@ -905,7 +905,7 @@
     </p:spTree>
     <p:extLst>
       <p:ext uri="{BB962C8B-B14F-4D97-AF65-F5344CB8AC3E}">
-        <p14:creationId xmlns:p14="http://schemas.microsoft.com/office/powerpoint/2010/main" val="4095565431"/>
+        <p14:creationId xmlns:p14="http://schemas.microsoft.com/office/powerpoint/2010/main" val="2888207133"/>
       </p:ext>
     </p:extLst>
   </p:cSld>
@@ -944,8 +944,8 @@
         </p:nvSpPr>
         <p:spPr>
           <a:xfrm>
-            <a:off x="12881724" y="613359"/>
-            <a:ext cx="3881393" cy="9763081"/>
+            <a:off x="12365955" y="383297"/>
+            <a:ext cx="3725987" cy="6101085"/>
           </a:xfrm>
         </p:spPr>
         <p:txBody>
@@ -972,8 +972,8 @@
         </p:nvSpPr>
         <p:spPr>
           <a:xfrm>
-            <a:off x="1237545" y="613359"/>
-            <a:ext cx="11419171" cy="9763081"/>
+            <a:off x="1187996" y="383297"/>
+            <a:ext cx="10961961" cy="6101085"/>
           </a:xfrm>
         </p:spPr>
         <p:txBody>
@@ -1085,7 +1085,7 @@
     </p:spTree>
     <p:extLst>
       <p:ext uri="{BB962C8B-B14F-4D97-AF65-F5344CB8AC3E}">
-        <p14:creationId xmlns:p14="http://schemas.microsoft.com/office/powerpoint/2010/main" val="2139285979"/>
+        <p14:creationId xmlns:p14="http://schemas.microsoft.com/office/powerpoint/2010/main" val="554663425"/>
       </p:ext>
     </p:extLst>
   </p:cSld>
@@ -1255,7 +1255,7 @@
     </p:spTree>
     <p:extLst>
       <p:ext uri="{BB962C8B-B14F-4D97-AF65-F5344CB8AC3E}">
-        <p14:creationId xmlns:p14="http://schemas.microsoft.com/office/powerpoint/2010/main" val="1174789229"/>
+        <p14:creationId xmlns:p14="http://schemas.microsoft.com/office/powerpoint/2010/main" val="3026262820"/>
       </p:ext>
     </p:extLst>
   </p:cSld>
@@ -1294,15 +1294,15 @@
         </p:nvSpPr>
         <p:spPr>
           <a:xfrm>
-            <a:off x="1228170" y="2872123"/>
-            <a:ext cx="15525572" cy="4792202"/>
+            <a:off x="1178996" y="1794830"/>
+            <a:ext cx="14903947" cy="2994714"/>
           </a:xfrm>
         </p:spPr>
         <p:txBody>
           <a:bodyPr anchor="b"/>
           <a:lstStyle>
             <a:lvl1pPr>
-              <a:defRPr sz="8858"/>
+              <a:defRPr sz="6299"/>
             </a:lvl1pPr>
           </a:lstStyle>
           <a:p>
@@ -1326,8 +1326,8 @@
         </p:nvSpPr>
         <p:spPr>
           <a:xfrm>
-            <a:off x="1228170" y="7709662"/>
-            <a:ext cx="15525572" cy="2520106"/>
+            <a:off x="1178996" y="4817875"/>
+            <a:ext cx="14903947" cy="1574849"/>
           </a:xfrm>
         </p:spPr>
         <p:txBody>
@@ -1335,7 +1335,7 @@
           <a:lstStyle>
             <a:lvl1pPr marL="0" indent="0">
               <a:buNone/>
-              <a:defRPr sz="3543">
+              <a:defRPr sz="2520">
                 <a:solidFill>
                   <a:schemeClr val="tx1">
                     <a:tint val="75000"/>
@@ -1343,9 +1343,9 @@
                 </a:solidFill>
               </a:defRPr>
             </a:lvl1pPr>
-            <a:lvl2pPr marL="675010" indent="0">
-              <a:buNone/>
-              <a:defRPr sz="2953">
+            <a:lvl2pPr marL="479969" indent="0">
+              <a:buNone/>
+              <a:defRPr sz="2100">
                 <a:solidFill>
                   <a:schemeClr val="tx1">
                     <a:tint val="75000"/>
@@ -1353,9 +1353,9 @@
                 </a:solidFill>
               </a:defRPr>
             </a:lvl2pPr>
-            <a:lvl3pPr marL="1350020" indent="0">
-              <a:buNone/>
-              <a:defRPr sz="2658">
+            <a:lvl3pPr marL="959937" indent="0">
+              <a:buNone/>
+              <a:defRPr sz="1890">
                 <a:solidFill>
                   <a:schemeClr val="tx1">
                     <a:tint val="75000"/>
@@ -1363,9 +1363,9 @@
                 </a:solidFill>
               </a:defRPr>
             </a:lvl3pPr>
-            <a:lvl4pPr marL="2025030" indent="0">
-              <a:buNone/>
-              <a:defRPr sz="2362">
+            <a:lvl4pPr marL="1439906" indent="0">
+              <a:buNone/>
+              <a:defRPr sz="1680">
                 <a:solidFill>
                   <a:schemeClr val="tx1">
                     <a:tint val="75000"/>
@@ -1373,9 +1373,9 @@
                 </a:solidFill>
               </a:defRPr>
             </a:lvl4pPr>
-            <a:lvl5pPr marL="2700040" indent="0">
-              <a:buNone/>
-              <a:defRPr sz="2362">
+            <a:lvl5pPr marL="1919874" indent="0">
+              <a:buNone/>
+              <a:defRPr sz="1680">
                 <a:solidFill>
                   <a:schemeClr val="tx1">
                     <a:tint val="75000"/>
@@ -1383,9 +1383,9 @@
                 </a:solidFill>
               </a:defRPr>
             </a:lvl5pPr>
-            <a:lvl6pPr marL="3375050" indent="0">
-              <a:buNone/>
-              <a:defRPr sz="2362">
+            <a:lvl6pPr marL="2399843" indent="0">
+              <a:buNone/>
+              <a:defRPr sz="1680">
                 <a:solidFill>
                   <a:schemeClr val="tx1">
                     <a:tint val="75000"/>
@@ -1393,9 +1393,9 @@
                 </a:solidFill>
               </a:defRPr>
             </a:lvl6pPr>
-            <a:lvl7pPr marL="4050060" indent="0">
-              <a:buNone/>
-              <a:defRPr sz="2362">
+            <a:lvl7pPr marL="2879811" indent="0">
+              <a:buNone/>
+              <a:defRPr sz="1680">
                 <a:solidFill>
                   <a:schemeClr val="tx1">
                     <a:tint val="75000"/>
@@ -1403,9 +1403,9 @@
                 </a:solidFill>
               </a:defRPr>
             </a:lvl7pPr>
-            <a:lvl8pPr marL="4725071" indent="0">
-              <a:buNone/>
-              <a:defRPr sz="2362">
+            <a:lvl8pPr marL="3359780" indent="0">
+              <a:buNone/>
+              <a:defRPr sz="1680">
                 <a:solidFill>
                   <a:schemeClr val="tx1">
                     <a:tint val="75000"/>
@@ -1413,9 +1413,9 @@
                 </a:solidFill>
               </a:defRPr>
             </a:lvl8pPr>
-            <a:lvl9pPr marL="5400081" indent="0">
-              <a:buNone/>
-              <a:defRPr sz="2362">
+            <a:lvl9pPr marL="3839748" indent="0">
+              <a:buNone/>
+              <a:defRPr sz="1680">
                 <a:solidFill>
                   <a:schemeClr val="tx1">
                     <a:tint val="75000"/>
@@ -1501,7 +1501,7 @@
     </p:spTree>
     <p:extLst>
       <p:ext uri="{BB962C8B-B14F-4D97-AF65-F5344CB8AC3E}">
-        <p14:creationId xmlns:p14="http://schemas.microsoft.com/office/powerpoint/2010/main" val="3067685605"/>
+        <p14:creationId xmlns:p14="http://schemas.microsoft.com/office/powerpoint/2010/main" val="324234121"/>
       </p:ext>
     </p:extLst>
   </p:cSld>
@@ -1563,8 +1563,8 @@
         </p:nvSpPr>
         <p:spPr>
           <a:xfrm>
-            <a:off x="1237545" y="3066796"/>
-            <a:ext cx="7650282" cy="7309644"/>
+            <a:off x="1187996" y="1916484"/>
+            <a:ext cx="7343974" cy="4567898"/>
           </a:xfrm>
         </p:spPr>
         <p:txBody>
@@ -1620,8 +1620,8 @@
         </p:nvSpPr>
         <p:spPr>
           <a:xfrm>
-            <a:off x="9112836" y="3066796"/>
-            <a:ext cx="7650282" cy="7309644"/>
+            <a:off x="8747968" y="1916484"/>
+            <a:ext cx="7343974" cy="4567898"/>
           </a:xfrm>
         </p:spPr>
         <p:txBody>
@@ -1733,7 +1733,7 @@
     </p:spTree>
     <p:extLst>
       <p:ext uri="{BB962C8B-B14F-4D97-AF65-F5344CB8AC3E}">
-        <p14:creationId xmlns:p14="http://schemas.microsoft.com/office/powerpoint/2010/main" val="1340860893"/>
+        <p14:creationId xmlns:p14="http://schemas.microsoft.com/office/powerpoint/2010/main" val="2271722460"/>
       </p:ext>
     </p:extLst>
   </p:cSld>
@@ -1772,8 +1772,8 @@
         </p:nvSpPr>
         <p:spPr>
           <a:xfrm>
-            <a:off x="1239890" y="613360"/>
-            <a:ext cx="15525572" cy="2226762"/>
+            <a:off x="1190246" y="383297"/>
+            <a:ext cx="14903947" cy="1391534"/>
           </a:xfrm>
         </p:spPr>
         <p:txBody>
@@ -1800,8 +1800,8 @@
         </p:nvSpPr>
         <p:spPr>
           <a:xfrm>
-            <a:off x="1239891" y="2824120"/>
-            <a:ext cx="7615123" cy="1384058"/>
+            <a:off x="1190247" y="1764832"/>
+            <a:ext cx="7310223" cy="864917"/>
           </a:xfrm>
         </p:spPr>
         <p:txBody>
@@ -1809,39 +1809,39 @@
           <a:lstStyle>
             <a:lvl1pPr marL="0" indent="0">
               <a:buNone/>
-              <a:defRPr sz="3543" b="1"/>
+              <a:defRPr sz="2520" b="1"/>
             </a:lvl1pPr>
-            <a:lvl2pPr marL="675010" indent="0">
-              <a:buNone/>
-              <a:defRPr sz="2953" b="1"/>
+            <a:lvl2pPr marL="479969" indent="0">
+              <a:buNone/>
+              <a:defRPr sz="2100" b="1"/>
             </a:lvl2pPr>
-            <a:lvl3pPr marL="1350020" indent="0">
-              <a:buNone/>
-              <a:defRPr sz="2658" b="1"/>
+            <a:lvl3pPr marL="959937" indent="0">
+              <a:buNone/>
+              <a:defRPr sz="1890" b="1"/>
             </a:lvl3pPr>
-            <a:lvl4pPr marL="2025030" indent="0">
-              <a:buNone/>
-              <a:defRPr sz="2362" b="1"/>
+            <a:lvl4pPr marL="1439906" indent="0">
+              <a:buNone/>
+              <a:defRPr sz="1680" b="1"/>
             </a:lvl4pPr>
-            <a:lvl5pPr marL="2700040" indent="0">
-              <a:buNone/>
-              <a:defRPr sz="2362" b="1"/>
+            <a:lvl5pPr marL="1919874" indent="0">
+              <a:buNone/>
+              <a:defRPr sz="1680" b="1"/>
             </a:lvl5pPr>
-            <a:lvl6pPr marL="3375050" indent="0">
-              <a:buNone/>
-              <a:defRPr sz="2362" b="1"/>
+            <a:lvl6pPr marL="2399843" indent="0">
+              <a:buNone/>
+              <a:defRPr sz="1680" b="1"/>
             </a:lvl6pPr>
-            <a:lvl7pPr marL="4050060" indent="0">
-              <a:buNone/>
-              <a:defRPr sz="2362" b="1"/>
+            <a:lvl7pPr marL="2879811" indent="0">
+              <a:buNone/>
+              <a:defRPr sz="1680" b="1"/>
             </a:lvl7pPr>
-            <a:lvl8pPr marL="4725071" indent="0">
-              <a:buNone/>
-              <a:defRPr sz="2362" b="1"/>
+            <a:lvl8pPr marL="3359780" indent="0">
+              <a:buNone/>
+              <a:defRPr sz="1680" b="1"/>
             </a:lvl8pPr>
-            <a:lvl9pPr marL="5400081" indent="0">
-              <a:buNone/>
-              <a:defRPr sz="2362" b="1"/>
+            <a:lvl9pPr marL="3839748" indent="0">
+              <a:buNone/>
+              <a:defRPr sz="1680" b="1"/>
             </a:lvl9pPr>
           </a:lstStyle>
           <a:p>
@@ -1865,8 +1865,8 @@
         </p:nvSpPr>
         <p:spPr>
           <a:xfrm>
-            <a:off x="1239891" y="4208178"/>
-            <a:ext cx="7615123" cy="6189596"/>
+            <a:off x="1190247" y="2629749"/>
+            <a:ext cx="7310223" cy="3867965"/>
           </a:xfrm>
         </p:spPr>
         <p:txBody>
@@ -1922,8 +1922,8 @@
         </p:nvSpPr>
         <p:spPr>
           <a:xfrm>
-            <a:off x="9112836" y="2824120"/>
-            <a:ext cx="7652626" cy="1384058"/>
+            <a:off x="8747969" y="1764832"/>
+            <a:ext cx="7346224" cy="864917"/>
           </a:xfrm>
         </p:spPr>
         <p:txBody>
@@ -1931,39 +1931,39 @@
           <a:lstStyle>
             <a:lvl1pPr marL="0" indent="0">
               <a:buNone/>
-              <a:defRPr sz="3543" b="1"/>
+              <a:defRPr sz="2520" b="1"/>
             </a:lvl1pPr>
-            <a:lvl2pPr marL="675010" indent="0">
-              <a:buNone/>
-              <a:defRPr sz="2953" b="1"/>
+            <a:lvl2pPr marL="479969" indent="0">
+              <a:buNone/>
+              <a:defRPr sz="2100" b="1"/>
             </a:lvl2pPr>
-            <a:lvl3pPr marL="1350020" indent="0">
-              <a:buNone/>
-              <a:defRPr sz="2658" b="1"/>
+            <a:lvl3pPr marL="959937" indent="0">
+              <a:buNone/>
+              <a:defRPr sz="1890" b="1"/>
             </a:lvl3pPr>
-            <a:lvl4pPr marL="2025030" indent="0">
-              <a:buNone/>
-              <a:defRPr sz="2362" b="1"/>
+            <a:lvl4pPr marL="1439906" indent="0">
+              <a:buNone/>
+              <a:defRPr sz="1680" b="1"/>
             </a:lvl4pPr>
-            <a:lvl5pPr marL="2700040" indent="0">
-              <a:buNone/>
-              <a:defRPr sz="2362" b="1"/>
+            <a:lvl5pPr marL="1919874" indent="0">
+              <a:buNone/>
+              <a:defRPr sz="1680" b="1"/>
             </a:lvl5pPr>
-            <a:lvl6pPr marL="3375050" indent="0">
-              <a:buNone/>
-              <a:defRPr sz="2362" b="1"/>
+            <a:lvl6pPr marL="2399843" indent="0">
+              <a:buNone/>
+              <a:defRPr sz="1680" b="1"/>
             </a:lvl6pPr>
-            <a:lvl7pPr marL="4050060" indent="0">
-              <a:buNone/>
-              <a:defRPr sz="2362" b="1"/>
+            <a:lvl7pPr marL="2879811" indent="0">
+              <a:buNone/>
+              <a:defRPr sz="1680" b="1"/>
             </a:lvl7pPr>
-            <a:lvl8pPr marL="4725071" indent="0">
-              <a:buNone/>
-              <a:defRPr sz="2362" b="1"/>
+            <a:lvl8pPr marL="3359780" indent="0">
+              <a:buNone/>
+              <a:defRPr sz="1680" b="1"/>
             </a:lvl8pPr>
-            <a:lvl9pPr marL="5400081" indent="0">
-              <a:buNone/>
-              <a:defRPr sz="2362" b="1"/>
+            <a:lvl9pPr marL="3839748" indent="0">
+              <a:buNone/>
+              <a:defRPr sz="1680" b="1"/>
             </a:lvl9pPr>
           </a:lstStyle>
           <a:p>
@@ -1987,8 +1987,8 @@
         </p:nvSpPr>
         <p:spPr>
           <a:xfrm>
-            <a:off x="9112836" y="4208178"/>
-            <a:ext cx="7652626" cy="6189596"/>
+            <a:off x="8747969" y="2629749"/>
+            <a:ext cx="7346224" cy="3867965"/>
           </a:xfrm>
         </p:spPr>
         <p:txBody>
@@ -2100,7 +2100,7 @@
     </p:spTree>
     <p:extLst>
       <p:ext uri="{BB962C8B-B14F-4D97-AF65-F5344CB8AC3E}">
-        <p14:creationId xmlns:p14="http://schemas.microsoft.com/office/powerpoint/2010/main" val="1151160498"/>
+        <p14:creationId xmlns:p14="http://schemas.microsoft.com/office/powerpoint/2010/main" val="3062022536"/>
       </p:ext>
     </p:extLst>
   </p:cSld>
@@ -2218,7 +2218,7 @@
     </p:spTree>
     <p:extLst>
       <p:ext uri="{BB962C8B-B14F-4D97-AF65-F5344CB8AC3E}">
-        <p14:creationId xmlns:p14="http://schemas.microsoft.com/office/powerpoint/2010/main" val="3991415812"/>
+        <p14:creationId xmlns:p14="http://schemas.microsoft.com/office/powerpoint/2010/main" val="1642528558"/>
       </p:ext>
     </p:extLst>
   </p:cSld>
@@ -2313,7 +2313,7 @@
     </p:spTree>
     <p:extLst>
       <p:ext uri="{BB962C8B-B14F-4D97-AF65-F5344CB8AC3E}">
-        <p14:creationId xmlns:p14="http://schemas.microsoft.com/office/powerpoint/2010/main" val="4228478942"/>
+        <p14:creationId xmlns:p14="http://schemas.microsoft.com/office/powerpoint/2010/main" val="2055848365"/>
       </p:ext>
     </p:extLst>
   </p:cSld>
@@ -2352,15 +2352,15 @@
         </p:nvSpPr>
         <p:spPr>
           <a:xfrm>
-            <a:off x="1239891" y="768032"/>
-            <a:ext cx="5805682" cy="2688114"/>
+            <a:off x="1190247" y="479954"/>
+            <a:ext cx="5573229" cy="1679840"/>
           </a:xfrm>
         </p:spPr>
         <p:txBody>
           <a:bodyPr anchor="b"/>
           <a:lstStyle>
             <a:lvl1pPr>
-              <a:defRPr sz="4724"/>
+              <a:defRPr sz="3359"/>
             </a:lvl1pPr>
           </a:lstStyle>
           <a:p>
@@ -2384,39 +2384,39 @@
         </p:nvSpPr>
         <p:spPr>
           <a:xfrm>
-            <a:off x="7652626" y="1658738"/>
-            <a:ext cx="9112836" cy="8187013"/>
+            <a:off x="7346224" y="1036569"/>
+            <a:ext cx="8747969" cy="5116178"/>
           </a:xfrm>
         </p:spPr>
         <p:txBody>
           <a:bodyPr/>
           <a:lstStyle>
             <a:lvl1pPr>
-              <a:defRPr sz="4724"/>
+              <a:defRPr sz="3359"/>
             </a:lvl1pPr>
             <a:lvl2pPr>
-              <a:defRPr sz="4134"/>
+              <a:defRPr sz="2939"/>
             </a:lvl2pPr>
             <a:lvl3pPr>
-              <a:defRPr sz="3543"/>
+              <a:defRPr sz="2520"/>
             </a:lvl3pPr>
             <a:lvl4pPr>
-              <a:defRPr sz="2953"/>
+              <a:defRPr sz="2100"/>
             </a:lvl4pPr>
             <a:lvl5pPr>
-              <a:defRPr sz="2953"/>
+              <a:defRPr sz="2100"/>
             </a:lvl5pPr>
             <a:lvl6pPr>
-              <a:defRPr sz="2953"/>
+              <a:defRPr sz="2100"/>
             </a:lvl6pPr>
             <a:lvl7pPr>
-              <a:defRPr sz="2953"/>
+              <a:defRPr sz="2100"/>
             </a:lvl7pPr>
             <a:lvl8pPr>
-              <a:defRPr sz="2953"/>
+              <a:defRPr sz="2100"/>
             </a:lvl8pPr>
             <a:lvl9pPr>
-              <a:defRPr sz="2953"/>
+              <a:defRPr sz="2100"/>
             </a:lvl9pPr>
           </a:lstStyle>
           <a:p>
@@ -2469,8 +2469,8 @@
         </p:nvSpPr>
         <p:spPr>
           <a:xfrm>
-            <a:off x="1239891" y="3456146"/>
-            <a:ext cx="5805682" cy="6402939"/>
+            <a:off x="1190247" y="2159794"/>
+            <a:ext cx="5573229" cy="4001285"/>
           </a:xfrm>
         </p:spPr>
         <p:txBody>
@@ -2478,39 +2478,39 @@
           <a:lstStyle>
             <a:lvl1pPr marL="0" indent="0">
               <a:buNone/>
-              <a:defRPr sz="2362"/>
+              <a:defRPr sz="1680"/>
             </a:lvl1pPr>
-            <a:lvl2pPr marL="675010" indent="0">
-              <a:buNone/>
-              <a:defRPr sz="2067"/>
+            <a:lvl2pPr marL="479969" indent="0">
+              <a:buNone/>
+              <a:defRPr sz="1470"/>
             </a:lvl2pPr>
-            <a:lvl3pPr marL="1350020" indent="0">
-              <a:buNone/>
-              <a:defRPr sz="1772"/>
+            <a:lvl3pPr marL="959937" indent="0">
+              <a:buNone/>
+              <a:defRPr sz="1260"/>
             </a:lvl3pPr>
-            <a:lvl4pPr marL="2025030" indent="0">
-              <a:buNone/>
-              <a:defRPr sz="1476"/>
+            <a:lvl4pPr marL="1439906" indent="0">
+              <a:buNone/>
+              <a:defRPr sz="1050"/>
             </a:lvl4pPr>
-            <a:lvl5pPr marL="2700040" indent="0">
-              <a:buNone/>
-              <a:defRPr sz="1476"/>
+            <a:lvl5pPr marL="1919874" indent="0">
+              <a:buNone/>
+              <a:defRPr sz="1050"/>
             </a:lvl5pPr>
-            <a:lvl6pPr marL="3375050" indent="0">
-              <a:buNone/>
-              <a:defRPr sz="1476"/>
+            <a:lvl6pPr marL="2399843" indent="0">
+              <a:buNone/>
+              <a:defRPr sz="1050"/>
             </a:lvl6pPr>
-            <a:lvl7pPr marL="4050060" indent="0">
-              <a:buNone/>
-              <a:defRPr sz="1476"/>
+            <a:lvl7pPr marL="2879811" indent="0">
+              <a:buNone/>
+              <a:defRPr sz="1050"/>
             </a:lvl7pPr>
-            <a:lvl8pPr marL="4725071" indent="0">
-              <a:buNone/>
-              <a:defRPr sz="1476"/>
+            <a:lvl8pPr marL="3359780" indent="0">
+              <a:buNone/>
+              <a:defRPr sz="1050"/>
             </a:lvl8pPr>
-            <a:lvl9pPr marL="5400081" indent="0">
-              <a:buNone/>
-              <a:defRPr sz="1476"/>
+            <a:lvl9pPr marL="3839748" indent="0">
+              <a:buNone/>
+              <a:defRPr sz="1050"/>
             </a:lvl9pPr>
           </a:lstStyle>
           <a:p>
@@ -2590,7 +2590,7 @@
     </p:spTree>
     <p:extLst>
       <p:ext uri="{BB962C8B-B14F-4D97-AF65-F5344CB8AC3E}">
-        <p14:creationId xmlns:p14="http://schemas.microsoft.com/office/powerpoint/2010/main" val="3165250502"/>
+        <p14:creationId xmlns:p14="http://schemas.microsoft.com/office/powerpoint/2010/main" val="3639684718"/>
       </p:ext>
     </p:extLst>
   </p:cSld>
@@ -2629,15 +2629,15 @@
         </p:nvSpPr>
         <p:spPr>
           <a:xfrm>
-            <a:off x="1239891" y="768032"/>
-            <a:ext cx="5805682" cy="2688114"/>
+            <a:off x="1190247" y="479954"/>
+            <a:ext cx="5573229" cy="1679840"/>
           </a:xfrm>
         </p:spPr>
         <p:txBody>
           <a:bodyPr anchor="b"/>
           <a:lstStyle>
             <a:lvl1pPr>
-              <a:defRPr sz="4724"/>
+              <a:defRPr sz="3359"/>
             </a:lvl1pPr>
           </a:lstStyle>
           <a:p>
@@ -2661,8 +2661,8 @@
         </p:nvSpPr>
         <p:spPr>
           <a:xfrm>
-            <a:off x="7652626" y="1658738"/>
-            <a:ext cx="9112836" cy="8187013"/>
+            <a:off x="7346224" y="1036569"/>
+            <a:ext cx="8747969" cy="5116178"/>
           </a:xfrm>
         </p:spPr>
         <p:txBody>
@@ -2670,39 +2670,39 @@
           <a:lstStyle>
             <a:lvl1pPr marL="0" indent="0">
               <a:buNone/>
-              <a:defRPr sz="4724"/>
+              <a:defRPr sz="3359"/>
             </a:lvl1pPr>
-            <a:lvl2pPr marL="675010" indent="0">
-              <a:buNone/>
-              <a:defRPr sz="4134"/>
+            <a:lvl2pPr marL="479969" indent="0">
+              <a:buNone/>
+              <a:defRPr sz="2939"/>
             </a:lvl2pPr>
-            <a:lvl3pPr marL="1350020" indent="0">
-              <a:buNone/>
-              <a:defRPr sz="3543"/>
+            <a:lvl3pPr marL="959937" indent="0">
+              <a:buNone/>
+              <a:defRPr sz="2520"/>
             </a:lvl3pPr>
-            <a:lvl4pPr marL="2025030" indent="0">
-              <a:buNone/>
-              <a:defRPr sz="2953"/>
+            <a:lvl4pPr marL="1439906" indent="0">
+              <a:buNone/>
+              <a:defRPr sz="2100"/>
             </a:lvl4pPr>
-            <a:lvl5pPr marL="2700040" indent="0">
-              <a:buNone/>
-              <a:defRPr sz="2953"/>
+            <a:lvl5pPr marL="1919874" indent="0">
+              <a:buNone/>
+              <a:defRPr sz="2100"/>
             </a:lvl5pPr>
-            <a:lvl6pPr marL="3375050" indent="0">
-              <a:buNone/>
-              <a:defRPr sz="2953"/>
+            <a:lvl6pPr marL="2399843" indent="0">
+              <a:buNone/>
+              <a:defRPr sz="2100"/>
             </a:lvl6pPr>
-            <a:lvl7pPr marL="4050060" indent="0">
-              <a:buNone/>
-              <a:defRPr sz="2953"/>
+            <a:lvl7pPr marL="2879811" indent="0">
+              <a:buNone/>
+              <a:defRPr sz="2100"/>
             </a:lvl7pPr>
-            <a:lvl8pPr marL="4725071" indent="0">
-              <a:buNone/>
-              <a:defRPr sz="2953"/>
+            <a:lvl8pPr marL="3359780" indent="0">
+              <a:buNone/>
+              <a:defRPr sz="2100"/>
             </a:lvl8pPr>
-            <a:lvl9pPr marL="5400081" indent="0">
-              <a:buNone/>
-              <a:defRPr sz="2953"/>
+            <a:lvl9pPr marL="3839748" indent="0">
+              <a:buNone/>
+              <a:defRPr sz="2100"/>
             </a:lvl9pPr>
           </a:lstStyle>
           <a:p>
@@ -2726,8 +2726,8 @@
         </p:nvSpPr>
         <p:spPr>
           <a:xfrm>
-            <a:off x="1239891" y="3456146"/>
-            <a:ext cx="5805682" cy="6402939"/>
+            <a:off x="1190247" y="2159794"/>
+            <a:ext cx="5573229" cy="4001285"/>
           </a:xfrm>
         </p:spPr>
         <p:txBody>
@@ -2735,39 +2735,39 @@
           <a:lstStyle>
             <a:lvl1pPr marL="0" indent="0">
               <a:buNone/>
-              <a:defRPr sz="2362"/>
+              <a:defRPr sz="1680"/>
             </a:lvl1pPr>
-            <a:lvl2pPr marL="675010" indent="0">
-              <a:buNone/>
-              <a:defRPr sz="2067"/>
+            <a:lvl2pPr marL="479969" indent="0">
+              <a:buNone/>
+              <a:defRPr sz="1470"/>
             </a:lvl2pPr>
-            <a:lvl3pPr marL="1350020" indent="0">
-              <a:buNone/>
-              <a:defRPr sz="1772"/>
+            <a:lvl3pPr marL="959937" indent="0">
+              <a:buNone/>
+              <a:defRPr sz="1260"/>
             </a:lvl3pPr>
-            <a:lvl4pPr marL="2025030" indent="0">
-              <a:buNone/>
-              <a:defRPr sz="1476"/>
+            <a:lvl4pPr marL="1439906" indent="0">
+              <a:buNone/>
+              <a:defRPr sz="1050"/>
             </a:lvl4pPr>
-            <a:lvl5pPr marL="2700040" indent="0">
-              <a:buNone/>
-              <a:defRPr sz="1476"/>
+            <a:lvl5pPr marL="1919874" indent="0">
+              <a:buNone/>
+              <a:defRPr sz="1050"/>
             </a:lvl5pPr>
-            <a:lvl6pPr marL="3375050" indent="0">
-              <a:buNone/>
-              <a:defRPr sz="1476"/>
+            <a:lvl6pPr marL="2399843" indent="0">
+              <a:buNone/>
+              <a:defRPr sz="1050"/>
             </a:lvl6pPr>
-            <a:lvl7pPr marL="4050060" indent="0">
-              <a:buNone/>
-              <a:defRPr sz="1476"/>
+            <a:lvl7pPr marL="2879811" indent="0">
+              <a:buNone/>
+              <a:defRPr sz="1050"/>
             </a:lvl7pPr>
-            <a:lvl8pPr marL="4725071" indent="0">
-              <a:buNone/>
-              <a:defRPr sz="1476"/>
+            <a:lvl8pPr marL="3359780" indent="0">
+              <a:buNone/>
+              <a:defRPr sz="1050"/>
             </a:lvl8pPr>
-            <a:lvl9pPr marL="5400081" indent="0">
-              <a:buNone/>
-              <a:defRPr sz="1476"/>
+            <a:lvl9pPr marL="3839748" indent="0">
+              <a:buNone/>
+              <a:defRPr sz="1050"/>
             </a:lvl9pPr>
           </a:lstStyle>
           <a:p>
@@ -2847,7 +2847,7 @@
     </p:spTree>
     <p:extLst>
       <p:ext uri="{BB962C8B-B14F-4D97-AF65-F5344CB8AC3E}">
-        <p14:creationId xmlns:p14="http://schemas.microsoft.com/office/powerpoint/2010/main" val="1347266775"/>
+        <p14:creationId xmlns:p14="http://schemas.microsoft.com/office/powerpoint/2010/main" val="460076789"/>
       </p:ext>
     </p:extLst>
   </p:cSld>
@@ -2891,8 +2891,8 @@
         </p:nvSpPr>
         <p:spPr>
           <a:xfrm>
-            <a:off x="1237546" y="613360"/>
-            <a:ext cx="15525572" cy="2226762"/>
+            <a:off x="1187996" y="383297"/>
+            <a:ext cx="14903947" cy="1391534"/>
           </a:xfrm>
           <a:prstGeom prst="rect">
             <a:avLst/>
@@ -2924,8 +2924,8 @@
         </p:nvSpPr>
         <p:spPr>
           <a:xfrm>
-            <a:off x="1237546" y="3066796"/>
-            <a:ext cx="15525572" cy="7309644"/>
+            <a:off x="1187996" y="1916484"/>
+            <a:ext cx="14903947" cy="4567898"/>
           </a:xfrm>
           <a:prstGeom prst="rect">
             <a:avLst/>
@@ -2986,8 +2986,8 @@
         </p:nvSpPr>
         <p:spPr>
           <a:xfrm>
-            <a:off x="1237546" y="10677787"/>
-            <a:ext cx="4050149" cy="613359"/>
+            <a:off x="1187996" y="6672697"/>
+            <a:ext cx="3887986" cy="383297"/>
           </a:xfrm>
           <a:prstGeom prst="rect">
             <a:avLst/>
@@ -2997,7 +2997,7 @@
           <a:bodyPr vert="horz" lIns="91440" tIns="45720" rIns="91440" bIns="45720" rtlCol="0" anchor="ctr"/>
           <a:lstStyle>
             <a:lvl1pPr algn="l">
-              <a:defRPr sz="1772">
+              <a:defRPr sz="1260">
                 <a:solidFill>
                   <a:schemeClr val="tx1">
                     <a:tint val="75000"/>
@@ -3027,8 +3027,8 @@
         </p:nvSpPr>
         <p:spPr>
           <a:xfrm>
-            <a:off x="5962720" y="10677787"/>
-            <a:ext cx="6075224" cy="613359"/>
+            <a:off x="5723980" y="6672697"/>
+            <a:ext cx="5831979" cy="383297"/>
           </a:xfrm>
           <a:prstGeom prst="rect">
             <a:avLst/>
@@ -3038,7 +3038,7 @@
           <a:bodyPr vert="horz" lIns="91440" tIns="45720" rIns="91440" bIns="45720" rtlCol="0" anchor="ctr"/>
           <a:lstStyle>
             <a:lvl1pPr algn="ctr">
-              <a:defRPr sz="1772">
+              <a:defRPr sz="1260">
                 <a:solidFill>
                   <a:schemeClr val="tx1">
                     <a:tint val="75000"/>
@@ -3064,8 +3064,8 @@
         </p:nvSpPr>
         <p:spPr>
           <a:xfrm>
-            <a:off x="12712968" y="10677787"/>
-            <a:ext cx="4050149" cy="613359"/>
+            <a:off x="12203956" y="6672697"/>
+            <a:ext cx="3887986" cy="383297"/>
           </a:xfrm>
           <a:prstGeom prst="rect">
             <a:avLst/>
@@ -3075,7 +3075,7 @@
           <a:bodyPr vert="horz" lIns="91440" tIns="45720" rIns="91440" bIns="45720" rtlCol="0" anchor="ctr"/>
           <a:lstStyle>
             <a:lvl1pPr algn="r">
-              <a:defRPr sz="1772">
+              <a:defRPr sz="1260">
                 <a:solidFill>
                   <a:schemeClr val="tx1">
                     <a:tint val="75000"/>
@@ -3096,27 +3096,27 @@
     </p:spTree>
     <p:extLst>
       <p:ext uri="{BB962C8B-B14F-4D97-AF65-F5344CB8AC3E}">
-        <p14:creationId xmlns:p14="http://schemas.microsoft.com/office/powerpoint/2010/main" val="3432275871"/>
+        <p14:creationId xmlns:p14="http://schemas.microsoft.com/office/powerpoint/2010/main" val="1920241680"/>
       </p:ext>
     </p:extLst>
   </p:cSld>
   <p:clrMap bg1="lt1" tx1="dk1" bg2="lt2" tx2="dk2" accent1="accent1" accent2="accent2" accent3="accent3" accent4="accent4" accent5="accent5" accent6="accent6" hlink="hlink" folHlink="folHlink"/>
   <p:sldLayoutIdLst>
-    <p:sldLayoutId id="2147483769" r:id="rId1"/>
-    <p:sldLayoutId id="2147483770" r:id="rId2"/>
-    <p:sldLayoutId id="2147483771" r:id="rId3"/>
-    <p:sldLayoutId id="2147483772" r:id="rId4"/>
-    <p:sldLayoutId id="2147483773" r:id="rId5"/>
-    <p:sldLayoutId id="2147483774" r:id="rId6"/>
-    <p:sldLayoutId id="2147483775" r:id="rId7"/>
-    <p:sldLayoutId id="2147483776" r:id="rId8"/>
-    <p:sldLayoutId id="2147483777" r:id="rId9"/>
-    <p:sldLayoutId id="2147483778" r:id="rId10"/>
-    <p:sldLayoutId id="2147483779" r:id="rId11"/>
+    <p:sldLayoutId id="2147483865" r:id="rId1"/>
+    <p:sldLayoutId id="2147483866" r:id="rId2"/>
+    <p:sldLayoutId id="2147483867" r:id="rId3"/>
+    <p:sldLayoutId id="2147483868" r:id="rId4"/>
+    <p:sldLayoutId id="2147483869" r:id="rId5"/>
+    <p:sldLayoutId id="2147483870" r:id="rId6"/>
+    <p:sldLayoutId id="2147483871" r:id="rId7"/>
+    <p:sldLayoutId id="2147483872" r:id="rId8"/>
+    <p:sldLayoutId id="2147483873" r:id="rId9"/>
+    <p:sldLayoutId id="2147483874" r:id="rId10"/>
+    <p:sldLayoutId id="2147483875" r:id="rId11"/>
   </p:sldLayoutIdLst>
   <p:txStyles>
     <p:titleStyle>
-      <a:lvl1pPr algn="l" defTabSz="1350020" rtl="0" eaLnBrk="1" latinLnBrk="0" hangingPunct="1">
+      <a:lvl1pPr algn="l" defTabSz="959937" rtl="0" eaLnBrk="1" latinLnBrk="0" hangingPunct="1">
         <a:lnSpc>
           <a:spcPct val="90000"/>
         </a:lnSpc>
@@ -3124,7 +3124,7 @@
           <a:spcPct val="0"/>
         </a:spcBef>
         <a:buNone/>
-        <a:defRPr sz="6496" kern="1200">
+        <a:defRPr sz="4619" kern="1200">
           <a:solidFill>
             <a:schemeClr val="tx1"/>
           </a:solidFill>
@@ -3135,16 +3135,16 @@
       </a:lvl1pPr>
     </p:titleStyle>
     <p:bodyStyle>
-      <a:lvl1pPr marL="337505" indent="-337505" algn="l" defTabSz="1350020" rtl="0" eaLnBrk="1" latinLnBrk="0" hangingPunct="1">
+      <a:lvl1pPr marL="239984" indent="-239984" algn="l" defTabSz="959937" rtl="0" eaLnBrk="1" latinLnBrk="0" hangingPunct="1">
         <a:lnSpc>
           <a:spcPct val="90000"/>
         </a:lnSpc>
         <a:spcBef>
-          <a:spcPts val="1476"/>
+          <a:spcPts val="1050"/>
         </a:spcBef>
         <a:buFont typeface="Arial" panose="020B0604020202020204" pitchFamily="34" charset="0"/>
         <a:buChar char="•"/>
-        <a:defRPr sz="4134" kern="1200">
+        <a:defRPr sz="2939" kern="1200">
           <a:solidFill>
             <a:schemeClr val="tx1"/>
           </a:solidFill>
@@ -3153,16 +3153,16 @@
           <a:cs typeface="+mn-cs"/>
         </a:defRPr>
       </a:lvl1pPr>
-      <a:lvl2pPr marL="1012515" indent="-337505" algn="l" defTabSz="1350020" rtl="0" eaLnBrk="1" latinLnBrk="0" hangingPunct="1">
+      <a:lvl2pPr marL="719953" indent="-239984" algn="l" defTabSz="959937" rtl="0" eaLnBrk="1" latinLnBrk="0" hangingPunct="1">
         <a:lnSpc>
           <a:spcPct val="90000"/>
         </a:lnSpc>
         <a:spcBef>
-          <a:spcPts val="738"/>
+          <a:spcPts val="525"/>
         </a:spcBef>
         <a:buFont typeface="Arial" panose="020B0604020202020204" pitchFamily="34" charset="0"/>
         <a:buChar char="•"/>
-        <a:defRPr sz="3543" kern="1200">
+        <a:defRPr sz="2520" kern="1200">
           <a:solidFill>
             <a:schemeClr val="tx1"/>
           </a:solidFill>
@@ -3171,16 +3171,16 @@
           <a:cs typeface="+mn-cs"/>
         </a:defRPr>
       </a:lvl2pPr>
-      <a:lvl3pPr marL="1687525" indent="-337505" algn="l" defTabSz="1350020" rtl="0" eaLnBrk="1" latinLnBrk="0" hangingPunct="1">
+      <a:lvl3pPr marL="1199921" indent="-239984" algn="l" defTabSz="959937" rtl="0" eaLnBrk="1" latinLnBrk="0" hangingPunct="1">
         <a:lnSpc>
           <a:spcPct val="90000"/>
         </a:lnSpc>
         <a:spcBef>
-          <a:spcPts val="738"/>
+          <a:spcPts val="525"/>
         </a:spcBef>
         <a:buFont typeface="Arial" panose="020B0604020202020204" pitchFamily="34" charset="0"/>
         <a:buChar char="•"/>
-        <a:defRPr sz="2953" kern="1200">
+        <a:defRPr sz="2100" kern="1200">
           <a:solidFill>
             <a:schemeClr val="tx1"/>
           </a:solidFill>
@@ -3189,16 +3189,16 @@
           <a:cs typeface="+mn-cs"/>
         </a:defRPr>
       </a:lvl3pPr>
-      <a:lvl4pPr marL="2362535" indent="-337505" algn="l" defTabSz="1350020" rtl="0" eaLnBrk="1" latinLnBrk="0" hangingPunct="1">
+      <a:lvl4pPr marL="1679890" indent="-239984" algn="l" defTabSz="959937" rtl="0" eaLnBrk="1" latinLnBrk="0" hangingPunct="1">
         <a:lnSpc>
           <a:spcPct val="90000"/>
         </a:lnSpc>
         <a:spcBef>
-          <a:spcPts val="738"/>
+          <a:spcPts val="525"/>
         </a:spcBef>
         <a:buFont typeface="Arial" panose="020B0604020202020204" pitchFamily="34" charset="0"/>
         <a:buChar char="•"/>
-        <a:defRPr sz="2658" kern="1200">
+        <a:defRPr sz="1890" kern="1200">
           <a:solidFill>
             <a:schemeClr val="tx1"/>
           </a:solidFill>
@@ -3207,16 +3207,16 @@
           <a:cs typeface="+mn-cs"/>
         </a:defRPr>
       </a:lvl4pPr>
-      <a:lvl5pPr marL="3037545" indent="-337505" algn="l" defTabSz="1350020" rtl="0" eaLnBrk="1" latinLnBrk="0" hangingPunct="1">
+      <a:lvl5pPr marL="2159859" indent="-239984" algn="l" defTabSz="959937" rtl="0" eaLnBrk="1" latinLnBrk="0" hangingPunct="1">
         <a:lnSpc>
           <a:spcPct val="90000"/>
         </a:lnSpc>
         <a:spcBef>
-          <a:spcPts val="738"/>
+          <a:spcPts val="525"/>
         </a:spcBef>
         <a:buFont typeface="Arial" panose="020B0604020202020204" pitchFamily="34" charset="0"/>
         <a:buChar char="•"/>
-        <a:defRPr sz="2658" kern="1200">
+        <a:defRPr sz="1890" kern="1200">
           <a:solidFill>
             <a:schemeClr val="tx1"/>
           </a:solidFill>
@@ -3225,16 +3225,16 @@
           <a:cs typeface="+mn-cs"/>
         </a:defRPr>
       </a:lvl5pPr>
-      <a:lvl6pPr marL="3712555" indent="-337505" algn="l" defTabSz="1350020" rtl="0" eaLnBrk="1" latinLnBrk="0" hangingPunct="1">
+      <a:lvl6pPr marL="2639827" indent="-239984" algn="l" defTabSz="959937" rtl="0" eaLnBrk="1" latinLnBrk="0" hangingPunct="1">
         <a:lnSpc>
           <a:spcPct val="90000"/>
         </a:lnSpc>
         <a:spcBef>
-          <a:spcPts val="738"/>
+          <a:spcPts val="525"/>
         </a:spcBef>
         <a:buFont typeface="Arial" panose="020B0604020202020204" pitchFamily="34" charset="0"/>
         <a:buChar char="•"/>
-        <a:defRPr sz="2658" kern="1200">
+        <a:defRPr sz="1890" kern="1200">
           <a:solidFill>
             <a:schemeClr val="tx1"/>
           </a:solidFill>
@@ -3243,16 +3243,16 @@
           <a:cs typeface="+mn-cs"/>
         </a:defRPr>
       </a:lvl6pPr>
-      <a:lvl7pPr marL="4387566" indent="-337505" algn="l" defTabSz="1350020" rtl="0" eaLnBrk="1" latinLnBrk="0" hangingPunct="1">
+      <a:lvl7pPr marL="3119796" indent="-239984" algn="l" defTabSz="959937" rtl="0" eaLnBrk="1" latinLnBrk="0" hangingPunct="1">
         <a:lnSpc>
           <a:spcPct val="90000"/>
         </a:lnSpc>
         <a:spcBef>
-          <a:spcPts val="738"/>
+          <a:spcPts val="525"/>
         </a:spcBef>
         <a:buFont typeface="Arial" panose="020B0604020202020204" pitchFamily="34" charset="0"/>
         <a:buChar char="•"/>
-        <a:defRPr sz="2658" kern="1200">
+        <a:defRPr sz="1890" kern="1200">
           <a:solidFill>
             <a:schemeClr val="tx1"/>
           </a:solidFill>
@@ -3261,16 +3261,16 @@
           <a:cs typeface="+mn-cs"/>
         </a:defRPr>
       </a:lvl7pPr>
-      <a:lvl8pPr marL="5062576" indent="-337505" algn="l" defTabSz="1350020" rtl="0" eaLnBrk="1" latinLnBrk="0" hangingPunct="1">
+      <a:lvl8pPr marL="3599764" indent="-239984" algn="l" defTabSz="959937" rtl="0" eaLnBrk="1" latinLnBrk="0" hangingPunct="1">
         <a:lnSpc>
           <a:spcPct val="90000"/>
         </a:lnSpc>
         <a:spcBef>
-          <a:spcPts val="738"/>
+          <a:spcPts val="525"/>
         </a:spcBef>
         <a:buFont typeface="Arial" panose="020B0604020202020204" pitchFamily="34" charset="0"/>
         <a:buChar char="•"/>
-        <a:defRPr sz="2658" kern="1200">
+        <a:defRPr sz="1890" kern="1200">
           <a:solidFill>
             <a:schemeClr val="tx1"/>
           </a:solidFill>
@@ -3279,16 +3279,16 @@
           <a:cs typeface="+mn-cs"/>
         </a:defRPr>
       </a:lvl8pPr>
-      <a:lvl9pPr marL="5737586" indent="-337505" algn="l" defTabSz="1350020" rtl="0" eaLnBrk="1" latinLnBrk="0" hangingPunct="1">
+      <a:lvl9pPr marL="4079733" indent="-239984" algn="l" defTabSz="959937" rtl="0" eaLnBrk="1" latinLnBrk="0" hangingPunct="1">
         <a:lnSpc>
           <a:spcPct val="90000"/>
         </a:lnSpc>
         <a:spcBef>
-          <a:spcPts val="738"/>
+          <a:spcPts val="525"/>
         </a:spcBef>
         <a:buFont typeface="Arial" panose="020B0604020202020204" pitchFamily="34" charset="0"/>
         <a:buChar char="•"/>
-        <a:defRPr sz="2658" kern="1200">
+        <a:defRPr sz="1890" kern="1200">
           <a:solidFill>
             <a:schemeClr val="tx1"/>
           </a:solidFill>
@@ -3302,8 +3302,8 @@
       <a:defPPr>
         <a:defRPr lang="en-US"/>
       </a:defPPr>
-      <a:lvl1pPr marL="0" algn="l" defTabSz="1350020" rtl="0" eaLnBrk="1" latinLnBrk="0" hangingPunct="1">
-        <a:defRPr sz="2658" kern="1200">
+      <a:lvl1pPr marL="0" algn="l" defTabSz="959937" rtl="0" eaLnBrk="1" latinLnBrk="0" hangingPunct="1">
+        <a:defRPr sz="1890" kern="1200">
           <a:solidFill>
             <a:schemeClr val="tx1"/>
           </a:solidFill>
@@ -3312,8 +3312,8 @@
           <a:cs typeface="+mn-cs"/>
         </a:defRPr>
       </a:lvl1pPr>
-      <a:lvl2pPr marL="675010" algn="l" defTabSz="1350020" rtl="0" eaLnBrk="1" latinLnBrk="0" hangingPunct="1">
-        <a:defRPr sz="2658" kern="1200">
+      <a:lvl2pPr marL="479969" algn="l" defTabSz="959937" rtl="0" eaLnBrk="1" latinLnBrk="0" hangingPunct="1">
+        <a:defRPr sz="1890" kern="1200">
           <a:solidFill>
             <a:schemeClr val="tx1"/>
           </a:solidFill>
@@ -3322,8 +3322,8 @@
           <a:cs typeface="+mn-cs"/>
         </a:defRPr>
       </a:lvl2pPr>
-      <a:lvl3pPr marL="1350020" algn="l" defTabSz="1350020" rtl="0" eaLnBrk="1" latinLnBrk="0" hangingPunct="1">
-        <a:defRPr sz="2658" kern="1200">
+      <a:lvl3pPr marL="959937" algn="l" defTabSz="959937" rtl="0" eaLnBrk="1" latinLnBrk="0" hangingPunct="1">
+        <a:defRPr sz="1890" kern="1200">
           <a:solidFill>
             <a:schemeClr val="tx1"/>
           </a:solidFill>
@@ -3332,8 +3332,8 @@
           <a:cs typeface="+mn-cs"/>
         </a:defRPr>
       </a:lvl3pPr>
-      <a:lvl4pPr marL="2025030" algn="l" defTabSz="1350020" rtl="0" eaLnBrk="1" latinLnBrk="0" hangingPunct="1">
-        <a:defRPr sz="2658" kern="1200">
+      <a:lvl4pPr marL="1439906" algn="l" defTabSz="959937" rtl="0" eaLnBrk="1" latinLnBrk="0" hangingPunct="1">
+        <a:defRPr sz="1890" kern="1200">
           <a:solidFill>
             <a:schemeClr val="tx1"/>
           </a:solidFill>
@@ -3342,8 +3342,8 @@
           <a:cs typeface="+mn-cs"/>
         </a:defRPr>
       </a:lvl4pPr>
-      <a:lvl5pPr marL="2700040" algn="l" defTabSz="1350020" rtl="0" eaLnBrk="1" latinLnBrk="0" hangingPunct="1">
-        <a:defRPr sz="2658" kern="1200">
+      <a:lvl5pPr marL="1919874" algn="l" defTabSz="959937" rtl="0" eaLnBrk="1" latinLnBrk="0" hangingPunct="1">
+        <a:defRPr sz="1890" kern="1200">
           <a:solidFill>
             <a:schemeClr val="tx1"/>
           </a:solidFill>
@@ -3352,8 +3352,8 @@
           <a:cs typeface="+mn-cs"/>
         </a:defRPr>
       </a:lvl5pPr>
-      <a:lvl6pPr marL="3375050" algn="l" defTabSz="1350020" rtl="0" eaLnBrk="1" latinLnBrk="0" hangingPunct="1">
-        <a:defRPr sz="2658" kern="1200">
+      <a:lvl6pPr marL="2399843" algn="l" defTabSz="959937" rtl="0" eaLnBrk="1" latinLnBrk="0" hangingPunct="1">
+        <a:defRPr sz="1890" kern="1200">
           <a:solidFill>
             <a:schemeClr val="tx1"/>
           </a:solidFill>
@@ -3362,8 +3362,8 @@
           <a:cs typeface="+mn-cs"/>
         </a:defRPr>
       </a:lvl6pPr>
-      <a:lvl7pPr marL="4050060" algn="l" defTabSz="1350020" rtl="0" eaLnBrk="1" latinLnBrk="0" hangingPunct="1">
-        <a:defRPr sz="2658" kern="1200">
+      <a:lvl7pPr marL="2879811" algn="l" defTabSz="959937" rtl="0" eaLnBrk="1" latinLnBrk="0" hangingPunct="1">
+        <a:defRPr sz="1890" kern="1200">
           <a:solidFill>
             <a:schemeClr val="tx1"/>
           </a:solidFill>
@@ -3372,8 +3372,8 @@
           <a:cs typeface="+mn-cs"/>
         </a:defRPr>
       </a:lvl7pPr>
-      <a:lvl8pPr marL="4725071" algn="l" defTabSz="1350020" rtl="0" eaLnBrk="1" latinLnBrk="0" hangingPunct="1">
-        <a:defRPr sz="2658" kern="1200">
+      <a:lvl8pPr marL="3359780" algn="l" defTabSz="959937" rtl="0" eaLnBrk="1" latinLnBrk="0" hangingPunct="1">
+        <a:defRPr sz="1890" kern="1200">
           <a:solidFill>
             <a:schemeClr val="tx1"/>
           </a:solidFill>
@@ -3382,8 +3382,8 @@
           <a:cs typeface="+mn-cs"/>
         </a:defRPr>
       </a:lvl8pPr>
-      <a:lvl9pPr marL="5400081" algn="l" defTabSz="1350020" rtl="0" eaLnBrk="1" latinLnBrk="0" hangingPunct="1">
-        <a:defRPr sz="2658" kern="1200">
+      <a:lvl9pPr marL="3839748" algn="l" defTabSz="959937" rtl="0" eaLnBrk="1" latinLnBrk="0" hangingPunct="1">
+        <a:defRPr sz="1890" kern="1200">
           <a:solidFill>
             <a:schemeClr val="tx1"/>
           </a:solidFill>
@@ -3419,7 +3419,7 @@
           <p:cNvPr id="4" name="图片 3">
             <a:extLst>
               <a:ext uri="{FF2B5EF4-FFF2-40B4-BE49-F238E27FC236}">
-                <a16:creationId xmlns:a16="http://schemas.microsoft.com/office/drawing/2014/main" id="{F567BFC1-BD3C-438F-0550-BF46CA5F8EFB}"/>
+                <a16:creationId xmlns:a16="http://schemas.microsoft.com/office/drawing/2014/main" id="{9C80E4C5-E437-FA88-0C87-8F2F8D5E9C9F}"/>
               </a:ext>
             </a:extLst>
           </p:cNvPr>
@@ -3436,8 +3436,37 @@
         </p:blipFill>
         <p:spPr>
           <a:xfrm>
-            <a:off x="203559" y="946250"/>
-            <a:ext cx="17593553" cy="10369847"/>
+            <a:off x="3087998" y="671067"/>
+            <a:ext cx="12785606" cy="6292107"/>
+          </a:xfrm>
+          <a:prstGeom prst="rect">
+            <a:avLst/>
+          </a:prstGeom>
+        </p:spPr>
+      </p:pic>
+      <p:pic>
+        <p:nvPicPr>
+          <p:cNvPr id="3" name="图片 2">
+            <a:extLst>
+              <a:ext uri="{FF2B5EF4-FFF2-40B4-BE49-F238E27FC236}">
+                <a16:creationId xmlns:a16="http://schemas.microsoft.com/office/drawing/2014/main" id="{5C4A27EF-BC52-E514-C164-E8D16BB1C38B}"/>
+              </a:ext>
+            </a:extLst>
+          </p:cNvPr>
+          <p:cNvPicPr>
+            <a:picLocks noChangeAspect="1"/>
+          </p:cNvPicPr>
+          <p:nvPr/>
+        </p:nvPicPr>
+        <p:blipFill rotWithShape="1">
+          <a:blip r:embed="rId4"/>
+          <a:srcRect b="23791"/>
+          <a:stretch/>
+        </p:blipFill>
+        <p:spPr>
+          <a:xfrm>
+            <a:off x="2" y="660788"/>
+            <a:ext cx="3087999" cy="6292106"/>
           </a:xfrm>
           <a:prstGeom prst="rect">
             <a:avLst/>
@@ -3460,8 +3489,8 @@
         </p:nvSpPr>
         <p:spPr>
           <a:xfrm>
-            <a:off x="203554" y="250860"/>
-            <a:ext cx="720000" cy="720000"/>
+            <a:off x="0" y="0"/>
+            <a:ext cx="648000" cy="648000"/>
           </a:xfrm>
           <a:prstGeom prst="ellipse">
             <a:avLst/>
@@ -3490,18 +3519,18 @@
           </a:fontRef>
         </p:style>
         <p:txBody>
-          <a:bodyPr tIns="151186" bIns="226780" rtlCol="0" anchor="ctr"/>
+          <a:bodyPr tIns="135888" bIns="203836" rtlCol="0" anchor="ctr"/>
           <a:lstStyle/>
           <a:p>
             <a:pPr algn="ctr"/>
             <a:r>
-              <a:rPr lang="en-GB" sz="4000" dirty="0">
+              <a:rPr lang="en-GB" sz="3500" dirty="0">
                 <a:latin typeface="Arial" panose="020B0604020202020204" pitchFamily="34" charset="0"/>
                 <a:cs typeface="Arial" panose="020B0604020202020204" pitchFamily="34" charset="0"/>
               </a:rPr>
               <a:t>a</a:t>
             </a:r>
-            <a:endParaRPr lang="en-SE" sz="4000" dirty="0">
+            <a:endParaRPr lang="en-SE" sz="3500" dirty="0">
               <a:latin typeface="Arial" panose="020B0604020202020204" pitchFamily="34" charset="0"/>
               <a:cs typeface="Arial" panose="020B0604020202020204" pitchFamily="34" charset="0"/>
             </a:endParaRPr>
@@ -3524,8 +3553,8 @@
         </p:nvSpPr>
         <p:spPr>
           <a:xfrm>
-            <a:off x="10848165" y="250860"/>
-            <a:ext cx="720000" cy="720000"/>
+            <a:off x="6129768" y="0"/>
+            <a:ext cx="648000" cy="648000"/>
           </a:xfrm>
           <a:prstGeom prst="ellipse">
             <a:avLst/>
@@ -3554,18 +3583,18 @@
           </a:fontRef>
         </p:style>
         <p:txBody>
-          <a:bodyPr tIns="151186" bIns="226780" rtlCol="0" anchor="ctr"/>
+          <a:bodyPr tIns="135888" bIns="203836" rtlCol="0" anchor="ctr"/>
           <a:lstStyle/>
           <a:p>
             <a:pPr algn="ctr"/>
             <a:r>
-              <a:rPr lang="en-GB" sz="4000" dirty="0">
+              <a:rPr lang="en-GB" sz="3500" dirty="0">
                 <a:latin typeface="Arial" panose="020B0604020202020204" pitchFamily="34" charset="0"/>
                 <a:cs typeface="Arial" panose="020B0604020202020204" pitchFamily="34" charset="0"/>
               </a:rPr>
               <a:t>c</a:t>
             </a:r>
-            <a:endParaRPr lang="en-SE" sz="4000" dirty="0">
+            <a:endParaRPr lang="en-SE" sz="3500" dirty="0">
               <a:latin typeface="Arial" panose="020B0604020202020204" pitchFamily="34" charset="0"/>
               <a:cs typeface="Arial" panose="020B0604020202020204" pitchFamily="34" charset="0"/>
             </a:endParaRPr>
@@ -3588,8 +3617,8 @@
         </p:nvSpPr>
         <p:spPr>
           <a:xfrm>
-            <a:off x="4077478" y="250860"/>
-            <a:ext cx="720000" cy="720000"/>
+            <a:off x="3064884" y="0"/>
+            <a:ext cx="648000" cy="648000"/>
           </a:xfrm>
           <a:prstGeom prst="ellipse">
             <a:avLst/>
@@ -3618,18 +3647,18 @@
           </a:fontRef>
         </p:style>
         <p:txBody>
-          <a:bodyPr tIns="151186" bIns="226780" rtlCol="0" anchor="ctr"/>
+          <a:bodyPr tIns="135888" bIns="203836" rtlCol="0" anchor="ctr"/>
           <a:lstStyle/>
           <a:p>
             <a:pPr algn="ctr"/>
             <a:r>
-              <a:rPr lang="en-GB" sz="4000" dirty="0">
+              <a:rPr lang="en-GB" sz="3500" dirty="0">
                 <a:latin typeface="Arial" panose="020B0604020202020204" pitchFamily="34" charset="0"/>
                 <a:cs typeface="Arial" panose="020B0604020202020204" pitchFamily="34" charset="0"/>
               </a:rPr>
               <a:t>b</a:t>
             </a:r>
-            <a:endParaRPr lang="en-SE" sz="4000" dirty="0">
+            <a:endParaRPr lang="en-SE" sz="3500" dirty="0">
               <a:latin typeface="Arial" panose="020B0604020202020204" pitchFamily="34" charset="0"/>
               <a:cs typeface="Arial" panose="020B0604020202020204" pitchFamily="34" charset="0"/>
             </a:endParaRPr>
@@ -3638,10 +3667,10 @@
       </p:sp>
       <p:sp>
         <p:nvSpPr>
-          <p:cNvPr id="15" name="Rectangle 22">
+          <p:cNvPr id="10" name="Rectangle 22">
             <a:extLst>
               <a:ext uri="{FF2B5EF4-FFF2-40B4-BE49-F238E27FC236}">
-                <a16:creationId xmlns:a16="http://schemas.microsoft.com/office/drawing/2014/main" id="{D4AE11F8-F734-792F-1123-ED568F3712FF}"/>
+                <a16:creationId xmlns:a16="http://schemas.microsoft.com/office/drawing/2014/main" id="{017E72BE-3C82-A614-168E-81E8EFE1BDD1}"/>
               </a:ext>
             </a:extLst>
           </p:cNvPr>
@@ -3650,8 +3679,8 @@
         </p:nvSpPr>
         <p:spPr>
           <a:xfrm>
-            <a:off x="322353" y="5859672"/>
-            <a:ext cx="3096572" cy="344184"/>
+            <a:off x="87089" y="3388891"/>
+            <a:ext cx="2781949" cy="550672"/>
           </a:xfrm>
           <a:prstGeom prst="rect">
             <a:avLst/>
@@ -3685,16 +3714,16 @@
           <a:lstStyle/>
           <a:p>
             <a:pPr algn="ctr"/>
-            <a:endParaRPr lang="en-SE" sz="7152"/>
-          </a:p>
-        </p:txBody>
-      </p:sp>
-      <p:sp>
-        <p:nvSpPr>
-          <p:cNvPr id="9" name="Rectangle 22">
+            <a:endParaRPr lang="en-SE" sz="6859"/>
+          </a:p>
+        </p:txBody>
+      </p:sp>
+      <p:sp>
+        <p:nvSpPr>
+          <p:cNvPr id="15" name="Rectangle 22">
             <a:extLst>
               <a:ext uri="{FF2B5EF4-FFF2-40B4-BE49-F238E27FC236}">
-                <a16:creationId xmlns:a16="http://schemas.microsoft.com/office/drawing/2014/main" id="{A5698FE0-DCBB-8E8A-0960-ECD6BD2C7672}"/>
+                <a16:creationId xmlns:a16="http://schemas.microsoft.com/office/drawing/2014/main" id="{D4AE11F8-F734-792F-1123-ED568F3712FF}"/>
               </a:ext>
             </a:extLst>
           </p:cNvPr>
@@ -3703,8 +3732,8 @@
         </p:nvSpPr>
         <p:spPr>
           <a:xfrm>
-            <a:off x="322351" y="5363097"/>
-            <a:ext cx="3096572" cy="344184"/>
+            <a:off x="6192781" y="4775603"/>
+            <a:ext cx="2870219" cy="507967"/>
           </a:xfrm>
           <a:prstGeom prst="rect">
             <a:avLst/>
@@ -3738,7 +3767,7 @@
           <a:lstStyle/>
           <a:p>
             <a:pPr algn="ctr"/>
-            <a:endParaRPr lang="en-SE" sz="7152"/>
+            <a:endParaRPr lang="en-SE" sz="6859"/>
           </a:p>
         </p:txBody>
       </p:sp>
